--- a/Docs/PrimeraEntrega.pptx
+++ b/Docs/PrimeraEntrega.pptx
@@ -5,7 +5,7 @@
     <p:sldMasterId id="2147483661" r:id="rId1"/>
   </p:sldMasterIdLst>
   <p:notesMasterIdLst>
-    <p:notesMasterId r:id="rId15"/>
+    <p:notesMasterId r:id="rId16"/>
   </p:notesMasterIdLst>
   <p:sldIdLst>
     <p:sldId id="256" r:id="rId2"/>
@@ -14,28 +14,29 @@
     <p:sldId id="284" r:id="rId5"/>
     <p:sldId id="288" r:id="rId6"/>
     <p:sldId id="267" r:id="rId7"/>
-    <p:sldId id="285" r:id="rId8"/>
-    <p:sldId id="265" r:id="rId9"/>
-    <p:sldId id="274" r:id="rId10"/>
-    <p:sldId id="268" r:id="rId11"/>
-    <p:sldId id="287" r:id="rId12"/>
-    <p:sldId id="271" r:id="rId13"/>
-    <p:sldId id="279" r:id="rId14"/>
+    <p:sldId id="289" r:id="rId8"/>
+    <p:sldId id="285" r:id="rId9"/>
+    <p:sldId id="265" r:id="rId10"/>
+    <p:sldId id="274" r:id="rId11"/>
+    <p:sldId id="268" r:id="rId12"/>
+    <p:sldId id="287" r:id="rId13"/>
+    <p:sldId id="271" r:id="rId14"/>
+    <p:sldId id="279" r:id="rId15"/>
   </p:sldIdLst>
   <p:sldSz cx="9144000" cy="5143500" type="screen16x9"/>
   <p:notesSz cx="6858000" cy="9144000"/>
   <p:embeddedFontLst>
     <p:embeddedFont>
       <p:font typeface="Lato Light" panose="020F0302020204030203" charset="0"/>
-      <p:regular r:id="rId16"/>
-      <p:bold r:id="rId17"/>
-      <p:italic r:id="rId18"/>
-      <p:boldItalic r:id="rId19"/>
+      <p:regular r:id="rId17"/>
+      <p:bold r:id="rId18"/>
+      <p:italic r:id="rId19"/>
+      <p:boldItalic r:id="rId20"/>
     </p:embeddedFont>
     <p:embeddedFont>
       <p:font typeface="Roboto Slab Light" panose="020B0604020202020204" charset="0"/>
-      <p:regular r:id="rId20"/>
-      <p:bold r:id="rId21"/>
+      <p:regular r:id="rId21"/>
+      <p:bold r:id="rId22"/>
     </p:embeddedFont>
   </p:embeddedFontLst>
   <p:defaultTextStyle>
@@ -29958,6 +29959,264 @@
 </file>
 
 <file path=ppt/slides/slide10.xml><?xml version="1.0" encoding="utf-8"?>
+<p:sld xmlns:a="http://schemas.openxmlformats.org/drawingml/2006/main" xmlns:r="http://schemas.openxmlformats.org/officeDocument/2006/relationships" xmlns:p="http://schemas.openxmlformats.org/presentationml/2006/main">
+  <p:cSld>
+    <p:spTree>
+      <p:nvGrpSpPr>
+        <p:cNvPr id="1" name="Shape 553"/>
+        <p:cNvGrpSpPr/>
+        <p:nvPr/>
+      </p:nvGrpSpPr>
+      <p:grpSpPr>
+        <a:xfrm>
+          <a:off x="0" y="0"/>
+          <a:ext cx="0" cy="0"/>
+          <a:chOff x="0" y="0"/>
+          <a:chExt cx="0" cy="0"/>
+        </a:xfrm>
+      </p:grpSpPr>
+      <p:sp>
+        <p:nvSpPr>
+          <p:cNvPr id="554" name="Google Shape;554;p33"/>
+          <p:cNvSpPr txBox="1">
+            <a:spLocks noGrp="1"/>
+          </p:cNvSpPr>
+          <p:nvPr>
+            <p:ph type="body" idx="1"/>
+          </p:nvPr>
+        </p:nvSpPr>
+        <p:spPr>
+          <a:xfrm>
+            <a:off x="666860" y="4177688"/>
+            <a:ext cx="8229600" cy="519600"/>
+          </a:xfrm>
+          <a:prstGeom prst="rect">
+            <a:avLst/>
+          </a:prstGeom>
+        </p:spPr>
+        <p:txBody>
+          <a:bodyPr spcFirstLastPara="1" wrap="square" lIns="91425" tIns="91425" rIns="91425" bIns="91425" anchor="t" anchorCtr="0">
+            <a:noAutofit/>
+          </a:bodyPr>
+          <a:lstStyle/>
+          <a:p>
+            <a:pPr marL="0" lvl="0" indent="0" algn="ctr" rtl="0">
+              <a:spcBef>
+                <a:spcPts val="360"/>
+              </a:spcBef>
+              <a:spcAft>
+                <a:spcPts val="1000"/>
+              </a:spcAft>
+              <a:buNone/>
+            </a:pPr>
+            <a:r>
+              <a:rPr lang="es-MX" b="1" dirty="0">
+                <a:solidFill>
+                  <a:srgbClr val="4A5C65"/>
+                </a:solidFill>
+              </a:rPr>
+              <a:t>Herramientas de comunicación</a:t>
+            </a:r>
+            <a:endParaRPr b="1" dirty="0">
+              <a:solidFill>
+                <a:srgbClr val="4A5C65"/>
+              </a:solidFill>
+            </a:endParaRPr>
+          </a:p>
+        </p:txBody>
+      </p:sp>
+      <p:sp>
+        <p:nvSpPr>
+          <p:cNvPr id="556" name="Google Shape;556;p33"/>
+          <p:cNvSpPr txBox="1">
+            <a:spLocks noGrp="1"/>
+          </p:cNvSpPr>
+          <p:nvPr>
+            <p:ph type="sldNum" idx="12"/>
+          </p:nvPr>
+        </p:nvSpPr>
+        <p:spPr>
+          <a:xfrm>
+            <a:off x="8117984" y="4303688"/>
+            <a:ext cx="548700" cy="393600"/>
+          </a:xfrm>
+          <a:prstGeom prst="rect">
+            <a:avLst/>
+          </a:prstGeom>
+        </p:spPr>
+        <p:txBody>
+          <a:bodyPr spcFirstLastPara="1" wrap="square" lIns="91425" tIns="91425" rIns="91425" bIns="91425" anchor="ctr" anchorCtr="0">
+            <a:noAutofit/>
+          </a:bodyPr>
+          <a:lstStyle/>
+          <a:p>
+            <a:pPr marL="0" lvl="0" indent="0" algn="r" rtl="0">
+              <a:spcBef>
+                <a:spcPts val="0"/>
+              </a:spcBef>
+              <a:spcAft>
+                <a:spcPts val="0"/>
+              </a:spcAft>
+              <a:buNone/>
+            </a:pPr>
+            <a:fld id="{00000000-1234-1234-1234-123412341234}" type="slidenum">
+              <a:rPr lang="en"/>
+              <a:t>10</a:t>
+            </a:fld>
+            <a:endParaRPr/>
+          </a:p>
+        </p:txBody>
+      </p:sp>
+      <p:pic>
+        <p:nvPicPr>
+          <p:cNvPr id="1026" name="Picture 2" descr="Resultado de imagen para whatsapp logo">
+            <a:extLst>
+              <a:ext uri="{FF2B5EF4-FFF2-40B4-BE49-F238E27FC236}">
+                <a16:creationId xmlns:a16="http://schemas.microsoft.com/office/drawing/2014/main" id="{3C972D24-98F7-48AA-9CAA-8A71B9146ECB}"/>
+              </a:ext>
+            </a:extLst>
+          </p:cNvPr>
+          <p:cNvPicPr>
+            <a:picLocks noChangeAspect="1" noChangeArrowheads="1"/>
+          </p:cNvPicPr>
+          <p:nvPr/>
+        </p:nvPicPr>
+        <p:blipFill>
+          <a:blip r:embed="rId3">
+            <a:extLst>
+              <a:ext uri="{28A0092B-C50C-407E-A947-70E740481C1C}">
+                <a14:useLocalDpi xmlns:a14="http://schemas.microsoft.com/office/drawing/2010/main" val="0"/>
+              </a:ext>
+            </a:extLst>
+          </a:blip>
+          <a:srcRect/>
+          <a:stretch>
+            <a:fillRect/>
+          </a:stretch>
+        </p:blipFill>
+        <p:spPr bwMode="auto">
+          <a:xfrm>
+            <a:off x="691117" y="1386885"/>
+            <a:ext cx="2302614" cy="2302614"/>
+          </a:xfrm>
+          <a:prstGeom prst="rect">
+            <a:avLst/>
+          </a:prstGeom>
+          <a:noFill/>
+          <a:extLst>
+            <a:ext uri="{909E8E84-426E-40DD-AFC4-6F175D3DCCD1}">
+              <a14:hiddenFill xmlns:a14="http://schemas.microsoft.com/office/drawing/2010/main">
+                <a:solidFill>
+                  <a:srgbClr val="FFFFFF"/>
+                </a:solidFill>
+              </a14:hiddenFill>
+            </a:ext>
+          </a:extLst>
+        </p:spPr>
+      </p:pic>
+      <p:pic>
+        <p:nvPicPr>
+          <p:cNvPr id="1028" name="Picture 4" descr="Resultado de imagen para hangouts logo">
+            <a:extLst>
+              <a:ext uri="{FF2B5EF4-FFF2-40B4-BE49-F238E27FC236}">
+                <a16:creationId xmlns:a16="http://schemas.microsoft.com/office/drawing/2014/main" id="{E85B0643-6FDF-46AD-AA17-534521016017}"/>
+              </a:ext>
+            </a:extLst>
+          </p:cNvPr>
+          <p:cNvPicPr>
+            <a:picLocks noChangeAspect="1" noChangeArrowheads="1"/>
+          </p:cNvPicPr>
+          <p:nvPr/>
+        </p:nvPicPr>
+        <p:blipFill>
+          <a:blip r:embed="rId4">
+            <a:extLst>
+              <a:ext uri="{28A0092B-C50C-407E-A947-70E740481C1C}">
+                <a14:useLocalDpi xmlns:a14="http://schemas.microsoft.com/office/drawing/2010/main" val="0"/>
+              </a:ext>
+            </a:extLst>
+          </a:blip>
+          <a:srcRect/>
+          <a:stretch>
+            <a:fillRect/>
+          </a:stretch>
+        </p:blipFill>
+        <p:spPr bwMode="auto">
+          <a:xfrm>
+            <a:off x="6744407" y="1582921"/>
+            <a:ext cx="1708476" cy="1977657"/>
+          </a:xfrm>
+          <a:prstGeom prst="rect">
+            <a:avLst/>
+          </a:prstGeom>
+          <a:noFill/>
+          <a:extLst>
+            <a:ext uri="{909E8E84-426E-40DD-AFC4-6F175D3DCCD1}">
+              <a14:hiddenFill xmlns:a14="http://schemas.microsoft.com/office/drawing/2010/main">
+                <a:solidFill>
+                  <a:srgbClr val="FFFFFF"/>
+                </a:solidFill>
+              </a14:hiddenFill>
+            </a:ext>
+          </a:extLst>
+        </p:spPr>
+      </p:pic>
+      <p:pic>
+        <p:nvPicPr>
+          <p:cNvPr id="1030" name="Picture 6" descr="Resultado de imagen para trello logo">
+            <a:extLst>
+              <a:ext uri="{FF2B5EF4-FFF2-40B4-BE49-F238E27FC236}">
+                <a16:creationId xmlns:a16="http://schemas.microsoft.com/office/drawing/2014/main" id="{46CA29FF-D6B8-4D0E-BE4A-80A4CA8C6306}"/>
+              </a:ext>
+            </a:extLst>
+          </p:cNvPr>
+          <p:cNvPicPr>
+            <a:picLocks noChangeAspect="1" noChangeArrowheads="1"/>
+          </p:cNvPicPr>
+          <p:nvPr/>
+        </p:nvPicPr>
+        <p:blipFill>
+          <a:blip r:embed="rId5">
+            <a:extLst>
+              <a:ext uri="{28A0092B-C50C-407E-A947-70E740481C1C}">
+                <a14:useLocalDpi xmlns:a14="http://schemas.microsoft.com/office/drawing/2010/main" val="0"/>
+              </a:ext>
+            </a:extLst>
+          </a:blip>
+          <a:srcRect/>
+          <a:stretch>
+            <a:fillRect/>
+          </a:stretch>
+        </p:blipFill>
+        <p:spPr bwMode="auto">
+          <a:xfrm>
+            <a:off x="3765032" y="1555121"/>
+            <a:ext cx="2033256" cy="2033256"/>
+          </a:xfrm>
+          <a:prstGeom prst="rect">
+            <a:avLst/>
+          </a:prstGeom>
+          <a:noFill/>
+          <a:extLst>
+            <a:ext uri="{909E8E84-426E-40DD-AFC4-6F175D3DCCD1}">
+              <a14:hiddenFill xmlns:a14="http://schemas.microsoft.com/office/drawing/2010/main">
+                <a:solidFill>
+                  <a:srgbClr val="FFFFFF"/>
+                </a:solidFill>
+              </a14:hiddenFill>
+            </a:ext>
+          </a:extLst>
+        </p:spPr>
+      </p:pic>
+    </p:spTree>
+  </p:cSld>
+  <p:clrMapOvr>
+    <a:masterClrMapping/>
+  </p:clrMapOvr>
+</p:sld>
+</file>
+
+<file path=ppt/slides/slide11.xml><?xml version="1.0" encoding="utf-8"?>
 <p:sld xmlns:a="http://schemas.openxmlformats.org/drawingml/2006/main" xmlns:r="http://schemas.openxmlformats.org/officeDocument/2006/relationships" xmlns:p="http://schemas.openxmlformats.org/presentationml/2006/main">
   <p:cSld>
     <p:spTree>
@@ -31050,7 +31309,7 @@
 </p:sld>
 </file>
 
-<file path=ppt/slides/slide11.xml><?xml version="1.0" encoding="utf-8"?>
+<file path=ppt/slides/slide12.xml><?xml version="1.0" encoding="utf-8"?>
 <p:sld xmlns:a="http://schemas.openxmlformats.org/drawingml/2006/main" xmlns:r="http://schemas.openxmlformats.org/officeDocument/2006/relationships" xmlns:p="http://schemas.openxmlformats.org/presentationml/2006/main">
   <p:cSld>
     <p:spTree>
@@ -31188,7 +31447,7 @@
 </p:sld>
 </file>
 
-<file path=ppt/slides/slide12.xml><?xml version="1.0" encoding="utf-8"?>
+<file path=ppt/slides/slide13.xml><?xml version="1.0" encoding="utf-8"?>
 <p:sld xmlns:a="http://schemas.openxmlformats.org/drawingml/2006/main" xmlns:r="http://schemas.openxmlformats.org/officeDocument/2006/relationships" xmlns:p="http://schemas.openxmlformats.org/presentationml/2006/main">
   <p:cSld>
     <p:spTree>
@@ -31469,7 +31728,7 @@
 </p:sld>
 </file>
 
-<file path=ppt/slides/slide13.xml><?xml version="1.0" encoding="utf-8"?>
+<file path=ppt/slides/slide14.xml><?xml version="1.0" encoding="utf-8"?>
 <p:sld xmlns:a="http://schemas.openxmlformats.org/drawingml/2006/main" xmlns:r="http://schemas.openxmlformats.org/officeDocument/2006/relationships" xmlns:p="http://schemas.openxmlformats.org/presentationml/2006/main">
   <p:cSld>
     <p:spTree>
@@ -31712,7 +31971,7 @@
             </a:pPr>
             <a:fld id="{00000000-1234-1234-1234-123412341234}" type="slidenum">
               <a:rPr lang="en"/>
-              <a:t>13</a:t>
+              <a:t>14</a:t>
             </a:fld>
             <a:endParaRPr/>
           </a:p>
@@ -32514,6 +32773,94 @@
   <p:cSld>
     <p:spTree>
       <p:nvGrpSpPr>
+        <p:cNvPr id="1" name=""/>
+        <p:cNvGrpSpPr/>
+        <p:nvPr/>
+      </p:nvGrpSpPr>
+      <p:grpSpPr>
+        <a:xfrm>
+          <a:off x="0" y="0"/>
+          <a:ext cx="0" cy="0"/>
+          <a:chOff x="0" y="0"/>
+          <a:chExt cx="0" cy="0"/>
+        </a:xfrm>
+      </p:grpSpPr>
+      <p:sp>
+        <p:nvSpPr>
+          <p:cNvPr id="2" name="Título 1">
+            <a:extLst>
+              <a:ext uri="{FF2B5EF4-FFF2-40B4-BE49-F238E27FC236}">
+                <a16:creationId xmlns:a16="http://schemas.microsoft.com/office/drawing/2014/main" id="{44058810-9754-4E6D-9E12-FA6C8A18DBD6}"/>
+              </a:ext>
+            </a:extLst>
+          </p:cNvPr>
+          <p:cNvSpPr>
+            <a:spLocks noGrp="1"/>
+          </p:cNvSpPr>
+          <p:nvPr>
+            <p:ph type="title"/>
+          </p:nvPr>
+        </p:nvSpPr>
+        <p:spPr/>
+        <p:txBody>
+          <a:bodyPr/>
+          <a:lstStyle/>
+          <a:p>
+            <a:r>
+              <a:rPr lang="es-MX" dirty="0"/>
+              <a:t>Bosquejo de clases</a:t>
+            </a:r>
+          </a:p>
+        </p:txBody>
+      </p:sp>
+      <p:pic>
+        <p:nvPicPr>
+          <p:cNvPr id="7" name="Imagen 6">
+            <a:extLst>
+              <a:ext uri="{FF2B5EF4-FFF2-40B4-BE49-F238E27FC236}">
+                <a16:creationId xmlns:a16="http://schemas.microsoft.com/office/drawing/2014/main" id="{116E4358-238C-47C2-8F81-31F2828158B1}"/>
+              </a:ext>
+            </a:extLst>
+          </p:cNvPr>
+          <p:cNvPicPr>
+            <a:picLocks noChangeAspect="1"/>
+          </p:cNvPicPr>
+          <p:nvPr/>
+        </p:nvPicPr>
+        <p:blipFill>
+          <a:blip r:embed="rId2"/>
+          <a:stretch>
+            <a:fillRect/>
+          </a:stretch>
+        </p:blipFill>
+        <p:spPr>
+          <a:xfrm>
+            <a:off x="2516459" y="559475"/>
+            <a:ext cx="6153740" cy="4073661"/>
+          </a:xfrm>
+          <a:prstGeom prst="rect">
+            <a:avLst/>
+          </a:prstGeom>
+        </p:spPr>
+      </p:pic>
+    </p:spTree>
+    <p:extLst>
+      <p:ext uri="{BB962C8B-B14F-4D97-AF65-F5344CB8AC3E}">
+        <p14:creationId xmlns:p14="http://schemas.microsoft.com/office/powerpoint/2010/main" val="2434338805"/>
+      </p:ext>
+    </p:extLst>
+  </p:cSld>
+  <p:clrMapOvr>
+    <a:masterClrMapping/>
+  </p:clrMapOvr>
+</p:sld>
+</file>
+
+<file path=ppt/slides/slide8.xml><?xml version="1.0" encoding="utf-8"?>
+<p:sld xmlns:a="http://schemas.openxmlformats.org/drawingml/2006/main" xmlns:r="http://schemas.openxmlformats.org/officeDocument/2006/relationships" xmlns:p="http://schemas.openxmlformats.org/presentationml/2006/main">
+  <p:cSld>
+    <p:spTree>
+      <p:nvGrpSpPr>
         <p:cNvPr id="1" name="Shape 410"/>
         <p:cNvGrpSpPr/>
         <p:nvPr/>
@@ -32634,7 +32981,7 @@
 </p:sld>
 </file>
 
-<file path=ppt/slides/slide8.xml><?xml version="1.0" encoding="utf-8"?>
+<file path=ppt/slides/slide9.xml><?xml version="1.0" encoding="utf-8"?>
 <p:sld xmlns:a="http://schemas.openxmlformats.org/drawingml/2006/main" xmlns:r="http://schemas.openxmlformats.org/officeDocument/2006/relationships" xmlns:p="http://schemas.openxmlformats.org/presentationml/2006/main">
   <p:cSld>
     <p:spTree>
@@ -32813,7 +33160,7 @@
             </a:pPr>
             <a:fld id="{00000000-1234-1234-1234-123412341234}" type="slidenum">
               <a:rPr lang="en"/>
-              <a:t>8</a:t>
+              <a:t>9</a:t>
             </a:fld>
             <a:endParaRPr/>
           </a:p>
@@ -32847,264 +33194,6 @@
           <a:prstGeom prst="ellipse">
             <a:avLst/>
           </a:prstGeom>
-        </p:spPr>
-      </p:pic>
-    </p:spTree>
-  </p:cSld>
-  <p:clrMapOvr>
-    <a:masterClrMapping/>
-  </p:clrMapOvr>
-</p:sld>
-</file>
-
-<file path=ppt/slides/slide9.xml><?xml version="1.0" encoding="utf-8"?>
-<p:sld xmlns:a="http://schemas.openxmlformats.org/drawingml/2006/main" xmlns:r="http://schemas.openxmlformats.org/officeDocument/2006/relationships" xmlns:p="http://schemas.openxmlformats.org/presentationml/2006/main">
-  <p:cSld>
-    <p:spTree>
-      <p:nvGrpSpPr>
-        <p:cNvPr id="1" name="Shape 553"/>
-        <p:cNvGrpSpPr/>
-        <p:nvPr/>
-      </p:nvGrpSpPr>
-      <p:grpSpPr>
-        <a:xfrm>
-          <a:off x="0" y="0"/>
-          <a:ext cx="0" cy="0"/>
-          <a:chOff x="0" y="0"/>
-          <a:chExt cx="0" cy="0"/>
-        </a:xfrm>
-      </p:grpSpPr>
-      <p:sp>
-        <p:nvSpPr>
-          <p:cNvPr id="554" name="Google Shape;554;p33"/>
-          <p:cNvSpPr txBox="1">
-            <a:spLocks noGrp="1"/>
-          </p:cNvSpPr>
-          <p:nvPr>
-            <p:ph type="body" idx="1"/>
-          </p:nvPr>
-        </p:nvSpPr>
-        <p:spPr>
-          <a:xfrm>
-            <a:off x="666860" y="4177688"/>
-            <a:ext cx="8229600" cy="519600"/>
-          </a:xfrm>
-          <a:prstGeom prst="rect">
-            <a:avLst/>
-          </a:prstGeom>
-        </p:spPr>
-        <p:txBody>
-          <a:bodyPr spcFirstLastPara="1" wrap="square" lIns="91425" tIns="91425" rIns="91425" bIns="91425" anchor="t" anchorCtr="0">
-            <a:noAutofit/>
-          </a:bodyPr>
-          <a:lstStyle/>
-          <a:p>
-            <a:pPr marL="0" lvl="0" indent="0" algn="ctr" rtl="0">
-              <a:spcBef>
-                <a:spcPts val="360"/>
-              </a:spcBef>
-              <a:spcAft>
-                <a:spcPts val="1000"/>
-              </a:spcAft>
-              <a:buNone/>
-            </a:pPr>
-            <a:r>
-              <a:rPr lang="es-MX" b="1" dirty="0">
-                <a:solidFill>
-                  <a:srgbClr val="4A5C65"/>
-                </a:solidFill>
-              </a:rPr>
-              <a:t>Herramientas de comunicación</a:t>
-            </a:r>
-            <a:endParaRPr b="1" dirty="0">
-              <a:solidFill>
-                <a:srgbClr val="4A5C65"/>
-              </a:solidFill>
-            </a:endParaRPr>
-          </a:p>
-        </p:txBody>
-      </p:sp>
-      <p:sp>
-        <p:nvSpPr>
-          <p:cNvPr id="556" name="Google Shape;556;p33"/>
-          <p:cNvSpPr txBox="1">
-            <a:spLocks noGrp="1"/>
-          </p:cNvSpPr>
-          <p:nvPr>
-            <p:ph type="sldNum" idx="12"/>
-          </p:nvPr>
-        </p:nvSpPr>
-        <p:spPr>
-          <a:xfrm>
-            <a:off x="8117984" y="4303688"/>
-            <a:ext cx="548700" cy="393600"/>
-          </a:xfrm>
-          <a:prstGeom prst="rect">
-            <a:avLst/>
-          </a:prstGeom>
-        </p:spPr>
-        <p:txBody>
-          <a:bodyPr spcFirstLastPara="1" wrap="square" lIns="91425" tIns="91425" rIns="91425" bIns="91425" anchor="ctr" anchorCtr="0">
-            <a:noAutofit/>
-          </a:bodyPr>
-          <a:lstStyle/>
-          <a:p>
-            <a:pPr marL="0" lvl="0" indent="0" algn="r" rtl="0">
-              <a:spcBef>
-                <a:spcPts val="0"/>
-              </a:spcBef>
-              <a:spcAft>
-                <a:spcPts val="0"/>
-              </a:spcAft>
-              <a:buNone/>
-            </a:pPr>
-            <a:fld id="{00000000-1234-1234-1234-123412341234}" type="slidenum">
-              <a:rPr lang="en"/>
-              <a:t>9</a:t>
-            </a:fld>
-            <a:endParaRPr/>
-          </a:p>
-        </p:txBody>
-      </p:sp>
-      <p:pic>
-        <p:nvPicPr>
-          <p:cNvPr id="1026" name="Picture 2" descr="Resultado de imagen para whatsapp logo">
-            <a:extLst>
-              <a:ext uri="{FF2B5EF4-FFF2-40B4-BE49-F238E27FC236}">
-                <a16:creationId xmlns:a16="http://schemas.microsoft.com/office/drawing/2014/main" id="{3C972D24-98F7-48AA-9CAA-8A71B9146ECB}"/>
-              </a:ext>
-            </a:extLst>
-          </p:cNvPr>
-          <p:cNvPicPr>
-            <a:picLocks noChangeAspect="1" noChangeArrowheads="1"/>
-          </p:cNvPicPr>
-          <p:nvPr/>
-        </p:nvPicPr>
-        <p:blipFill>
-          <a:blip r:embed="rId3">
-            <a:extLst>
-              <a:ext uri="{28A0092B-C50C-407E-A947-70E740481C1C}">
-                <a14:useLocalDpi xmlns:a14="http://schemas.microsoft.com/office/drawing/2010/main" val="0"/>
-              </a:ext>
-            </a:extLst>
-          </a:blip>
-          <a:srcRect/>
-          <a:stretch>
-            <a:fillRect/>
-          </a:stretch>
-        </p:blipFill>
-        <p:spPr bwMode="auto">
-          <a:xfrm>
-            <a:off x="691117" y="1386885"/>
-            <a:ext cx="2302614" cy="2302614"/>
-          </a:xfrm>
-          <a:prstGeom prst="rect">
-            <a:avLst/>
-          </a:prstGeom>
-          <a:noFill/>
-          <a:extLst>
-            <a:ext uri="{909E8E84-426E-40DD-AFC4-6F175D3DCCD1}">
-              <a14:hiddenFill xmlns:a14="http://schemas.microsoft.com/office/drawing/2010/main">
-                <a:solidFill>
-                  <a:srgbClr val="FFFFFF"/>
-                </a:solidFill>
-              </a14:hiddenFill>
-            </a:ext>
-          </a:extLst>
-        </p:spPr>
-      </p:pic>
-      <p:pic>
-        <p:nvPicPr>
-          <p:cNvPr id="1028" name="Picture 4" descr="Resultado de imagen para hangouts logo">
-            <a:extLst>
-              <a:ext uri="{FF2B5EF4-FFF2-40B4-BE49-F238E27FC236}">
-                <a16:creationId xmlns:a16="http://schemas.microsoft.com/office/drawing/2014/main" id="{E85B0643-6FDF-46AD-AA17-534521016017}"/>
-              </a:ext>
-            </a:extLst>
-          </p:cNvPr>
-          <p:cNvPicPr>
-            <a:picLocks noChangeAspect="1" noChangeArrowheads="1"/>
-          </p:cNvPicPr>
-          <p:nvPr/>
-        </p:nvPicPr>
-        <p:blipFill>
-          <a:blip r:embed="rId4">
-            <a:extLst>
-              <a:ext uri="{28A0092B-C50C-407E-A947-70E740481C1C}">
-                <a14:useLocalDpi xmlns:a14="http://schemas.microsoft.com/office/drawing/2010/main" val="0"/>
-              </a:ext>
-            </a:extLst>
-          </a:blip>
-          <a:srcRect/>
-          <a:stretch>
-            <a:fillRect/>
-          </a:stretch>
-        </p:blipFill>
-        <p:spPr bwMode="auto">
-          <a:xfrm>
-            <a:off x="6744407" y="1582921"/>
-            <a:ext cx="1708476" cy="1977657"/>
-          </a:xfrm>
-          <a:prstGeom prst="rect">
-            <a:avLst/>
-          </a:prstGeom>
-          <a:noFill/>
-          <a:extLst>
-            <a:ext uri="{909E8E84-426E-40DD-AFC4-6F175D3DCCD1}">
-              <a14:hiddenFill xmlns:a14="http://schemas.microsoft.com/office/drawing/2010/main">
-                <a:solidFill>
-                  <a:srgbClr val="FFFFFF"/>
-                </a:solidFill>
-              </a14:hiddenFill>
-            </a:ext>
-          </a:extLst>
-        </p:spPr>
-      </p:pic>
-      <p:pic>
-        <p:nvPicPr>
-          <p:cNvPr id="1030" name="Picture 6" descr="Resultado de imagen para trello logo">
-            <a:extLst>
-              <a:ext uri="{FF2B5EF4-FFF2-40B4-BE49-F238E27FC236}">
-                <a16:creationId xmlns:a16="http://schemas.microsoft.com/office/drawing/2014/main" id="{46CA29FF-D6B8-4D0E-BE4A-80A4CA8C6306}"/>
-              </a:ext>
-            </a:extLst>
-          </p:cNvPr>
-          <p:cNvPicPr>
-            <a:picLocks noChangeAspect="1" noChangeArrowheads="1"/>
-          </p:cNvPicPr>
-          <p:nvPr/>
-        </p:nvPicPr>
-        <p:blipFill>
-          <a:blip r:embed="rId5">
-            <a:extLst>
-              <a:ext uri="{28A0092B-C50C-407E-A947-70E740481C1C}">
-                <a14:useLocalDpi xmlns:a14="http://schemas.microsoft.com/office/drawing/2010/main" val="0"/>
-              </a:ext>
-            </a:extLst>
-          </a:blip>
-          <a:srcRect/>
-          <a:stretch>
-            <a:fillRect/>
-          </a:stretch>
-        </p:blipFill>
-        <p:spPr bwMode="auto">
-          <a:xfrm>
-            <a:off x="3765032" y="1555121"/>
-            <a:ext cx="2033256" cy="2033256"/>
-          </a:xfrm>
-          <a:prstGeom prst="rect">
-            <a:avLst/>
-          </a:prstGeom>
-          <a:noFill/>
-          <a:extLst>
-            <a:ext uri="{909E8E84-426E-40DD-AFC4-6F175D3DCCD1}">
-              <a14:hiddenFill xmlns:a14="http://schemas.microsoft.com/office/drawing/2010/main">
-                <a:solidFill>
-                  <a:srgbClr val="FFFFFF"/>
-                </a:solidFill>
-              </a14:hiddenFill>
-            </a:ext>
-          </a:extLst>
         </p:spPr>
       </p:pic>
     </p:spTree>

--- a/Docs/PrimeraEntrega.pptx
+++ b/Docs/PrimeraEntrega.pptx
@@ -32069,6 +32069,12 @@
           </a:bodyPr>
           <a:lstStyle/>
           <a:p>
+            <a:r>
+              <a:rPr lang="es-MX" dirty="0"/>
+              <a:t>El cáncer de piel se ha convertido en un problema de salud pública actualmente, gracias a una investigación realizada por el periódico vanguardia sabemos que en el país se incrementó el número de casos de 300 a 500 por ciento en los pasados 10 años.</a:t>
+            </a:r>
+          </a:p>
+          <a:p>
             <a:pPr marL="457200" lvl="0" indent="-355600" algn="l" rtl="0">
               <a:spcBef>
                 <a:spcPts val="0"/>
@@ -32079,72 +32085,6 @@
               <a:buSzPts val="2000"/>
               <a:buChar char="○"/>
             </a:pPr>
-            <a:r>
-              <a:rPr lang="en" dirty="0"/>
-              <a:t>Here you have a list of items</a:t>
-            </a:r>
-            <a:endParaRPr dirty="0"/>
-          </a:p>
-          <a:p>
-            <a:pPr marL="457200" lvl="0" indent="-355600" algn="l" rtl="0">
-              <a:spcBef>
-                <a:spcPts val="1000"/>
-              </a:spcBef>
-              <a:spcAft>
-                <a:spcPts val="0"/>
-              </a:spcAft>
-              <a:buSzPts val="2000"/>
-              <a:buChar char="○"/>
-            </a:pPr>
-            <a:r>
-              <a:rPr lang="en" dirty="0"/>
-              <a:t>And some text</a:t>
-            </a:r>
-            <a:endParaRPr dirty="0"/>
-          </a:p>
-          <a:p>
-            <a:pPr marL="457200" lvl="0" indent="-355600" algn="l" rtl="0">
-              <a:spcBef>
-                <a:spcPts val="1000"/>
-              </a:spcBef>
-              <a:spcAft>
-                <a:spcPts val="0"/>
-              </a:spcAft>
-              <a:buSzPts val="2000"/>
-              <a:buChar char="○"/>
-            </a:pPr>
-            <a:r>
-              <a:rPr lang="en" dirty="0"/>
-              <a:t>But remember not to overload your slides with content</a:t>
-            </a:r>
-            <a:endParaRPr dirty="0"/>
-          </a:p>
-          <a:p>
-            <a:pPr marL="0" lvl="0" indent="0" algn="l" rtl="0">
-              <a:spcBef>
-                <a:spcPts val="1000"/>
-              </a:spcBef>
-              <a:spcAft>
-                <a:spcPts val="0"/>
-              </a:spcAft>
-              <a:buNone/>
-            </a:pPr>
-            <a:endParaRPr dirty="0"/>
-          </a:p>
-          <a:p>
-            <a:pPr marL="0" lvl="0" indent="0" algn="l" rtl="0">
-              <a:spcBef>
-                <a:spcPts val="1000"/>
-              </a:spcBef>
-              <a:spcAft>
-                <a:spcPts val="1000"/>
-              </a:spcAft>
-              <a:buNone/>
-            </a:pPr>
-            <a:r>
-              <a:rPr lang="en" dirty="0"/>
-              <a:t>Your audience will listen to you or read the content, but won’t do both. </a:t>
-            </a:r>
             <a:endParaRPr dirty="0"/>
           </a:p>
         </p:txBody>

--- a/Docs/PrimeraEntrega.pptx
+++ b/Docs/PrimeraEntrega.pptx
@@ -30015,7 +30015,7 @@
                   <a:srgbClr val="4A5C65"/>
                 </a:solidFill>
               </a:rPr>
-              <a:t>Herramientas de comunicación</a:t>
+              <a:t>Herramientas de comunicación/organización</a:t>
             </a:r>
             <a:endParaRPr b="1" dirty="0">
               <a:solidFill>
@@ -30096,8 +30096,8 @@
         </p:blipFill>
         <p:spPr bwMode="auto">
           <a:xfrm>
-            <a:off x="691117" y="1386885"/>
-            <a:ext cx="2302614" cy="2302614"/>
+            <a:off x="1390581" y="991154"/>
+            <a:ext cx="1182500" cy="1182500"/>
           </a:xfrm>
           <a:prstGeom prst="rect">
             <a:avLst/>
@@ -30143,8 +30143,8 @@
         </p:blipFill>
         <p:spPr bwMode="auto">
           <a:xfrm>
-            <a:off x="6744407" y="1582921"/>
-            <a:ext cx="1708476" cy="1977657"/>
+            <a:off x="6719777" y="1044516"/>
+            <a:ext cx="956930" cy="1107700"/>
           </a:xfrm>
           <a:prstGeom prst="rect">
             <a:avLst/>
@@ -30190,8 +30190,102 @@
         </p:blipFill>
         <p:spPr bwMode="auto">
           <a:xfrm>
-            <a:off x="3765032" y="1555121"/>
-            <a:ext cx="2033256" cy="2033256"/>
+            <a:off x="3890188" y="1025166"/>
+            <a:ext cx="1127050" cy="1127050"/>
+          </a:xfrm>
+          <a:prstGeom prst="rect">
+            <a:avLst/>
+          </a:prstGeom>
+          <a:noFill/>
+          <a:extLst>
+            <a:ext uri="{909E8E84-426E-40DD-AFC4-6F175D3DCCD1}">
+              <a14:hiddenFill xmlns:a14="http://schemas.microsoft.com/office/drawing/2010/main">
+                <a:solidFill>
+                  <a:srgbClr val="FFFFFF"/>
+                </a:solidFill>
+              </a14:hiddenFill>
+            </a:ext>
+          </a:extLst>
+        </p:spPr>
+      </p:pic>
+      <p:pic>
+        <p:nvPicPr>
+          <p:cNvPr id="2" name="Picture 2" descr="Resultado de imagen para drive logo">
+            <a:extLst>
+              <a:ext uri="{FF2B5EF4-FFF2-40B4-BE49-F238E27FC236}">
+                <a16:creationId xmlns:a16="http://schemas.microsoft.com/office/drawing/2014/main" id="{83375E11-5287-4FA2-B88F-888845F88BF7}"/>
+              </a:ext>
+            </a:extLst>
+          </p:cNvPr>
+          <p:cNvPicPr>
+            <a:picLocks noChangeAspect="1" noChangeArrowheads="1"/>
+          </p:cNvPicPr>
+          <p:nvPr/>
+        </p:nvPicPr>
+        <p:blipFill>
+          <a:blip r:embed="rId6">
+            <a:extLst>
+              <a:ext uri="{28A0092B-C50C-407E-A947-70E740481C1C}">
+                <a14:useLocalDpi xmlns:a14="http://schemas.microsoft.com/office/drawing/2010/main" val="0"/>
+              </a:ext>
+            </a:extLst>
+          </a:blip>
+          <a:srcRect/>
+          <a:stretch>
+            <a:fillRect/>
+          </a:stretch>
+        </p:blipFill>
+        <p:spPr bwMode="auto">
+          <a:xfrm>
+            <a:off x="2482040" y="2769328"/>
+            <a:ext cx="1349006" cy="1349006"/>
+          </a:xfrm>
+          <a:prstGeom prst="rect">
+            <a:avLst/>
+          </a:prstGeom>
+          <a:noFill/>
+          <a:extLst>
+            <a:ext uri="{909E8E84-426E-40DD-AFC4-6F175D3DCCD1}">
+              <a14:hiddenFill xmlns:a14="http://schemas.microsoft.com/office/drawing/2010/main">
+                <a:solidFill>
+                  <a:srgbClr val="FFFFFF"/>
+                </a:solidFill>
+              </a14:hiddenFill>
+            </a:ext>
+          </a:extLst>
+        </p:spPr>
+      </p:pic>
+      <p:pic>
+        <p:nvPicPr>
+          <p:cNvPr id="3" name="Picture 4" descr="Resultado de imagen para slack logo png">
+            <a:extLst>
+              <a:ext uri="{FF2B5EF4-FFF2-40B4-BE49-F238E27FC236}">
+                <a16:creationId xmlns:a16="http://schemas.microsoft.com/office/drawing/2014/main" id="{C61C97CF-9C71-4720-8B1B-BC390A6E5945}"/>
+              </a:ext>
+            </a:extLst>
+          </p:cNvPr>
+          <p:cNvPicPr>
+            <a:picLocks noChangeAspect="1" noChangeArrowheads="1"/>
+          </p:cNvPicPr>
+          <p:nvPr/>
+        </p:nvPicPr>
+        <p:blipFill>
+          <a:blip r:embed="rId7">
+            <a:extLst>
+              <a:ext uri="{28A0092B-C50C-407E-A947-70E740481C1C}">
+                <a14:useLocalDpi xmlns:a14="http://schemas.microsoft.com/office/drawing/2010/main" val="0"/>
+              </a:ext>
+            </a:extLst>
+          </a:blip>
+          <a:srcRect/>
+          <a:stretch>
+            <a:fillRect/>
+          </a:stretch>
+        </p:blipFill>
+        <p:spPr bwMode="auto">
+          <a:xfrm>
+            <a:off x="5519627" y="2656810"/>
+            <a:ext cx="1349006" cy="1349006"/>
           </a:xfrm>
           <a:prstGeom prst="rect">
             <a:avLst/>
